--- a/week 13 Final Code and Presentation/Presentation3.pptx
+++ b/week 13 Final Code and Presentation/Presentation3.pptx
@@ -255,7 +255,7 @@
           <a:p>
             <a:fld id="{C764DE79-268F-4C1A-8933-263129D2AF90}" type="datetimeFigureOut">
               <a:rPr lang="en-US" dirty="0"/>
-              <a:t>3/13/23</a:t>
+              <a:t>3/19/23</a:t>
             </a:fld>
             <a:endParaRPr lang="en-US"/>
           </a:p>
@@ -423,7 +423,7 @@
           <a:p>
             <a:fld id="{C764DE79-268F-4C1A-8933-263129D2AF90}" type="datetimeFigureOut">
               <a:rPr lang="en-US" dirty="0"/>
-              <a:t>3/13/23</a:t>
+              <a:t>3/19/23</a:t>
             </a:fld>
             <a:endParaRPr lang="en-US"/>
           </a:p>
@@ -601,7 +601,7 @@
           <a:p>
             <a:fld id="{C764DE79-268F-4C1A-8933-263129D2AF90}" type="datetimeFigureOut">
               <a:rPr lang="en-US" dirty="0"/>
-              <a:t>3/13/23</a:t>
+              <a:t>3/19/23</a:t>
             </a:fld>
             <a:endParaRPr lang="en-US"/>
           </a:p>
@@ -769,7 +769,7 @@
           <a:p>
             <a:fld id="{C764DE79-268F-4C1A-8933-263129D2AF90}" type="datetimeFigureOut">
               <a:rPr lang="en-US" dirty="0"/>
-              <a:t>3/13/23</a:t>
+              <a:t>3/19/23</a:t>
             </a:fld>
             <a:endParaRPr lang="en-US"/>
           </a:p>
@@ -1014,7 +1014,7 @@
           <a:p>
             <a:fld id="{C764DE79-268F-4C1A-8933-263129D2AF90}" type="datetimeFigureOut">
               <a:rPr lang="en-US" dirty="0"/>
-              <a:t>3/13/23</a:t>
+              <a:t>3/19/23</a:t>
             </a:fld>
             <a:endParaRPr lang="en-US"/>
           </a:p>
@@ -1243,7 +1243,7 @@
           <a:p>
             <a:fld id="{C764DE79-268F-4C1A-8933-263129D2AF90}" type="datetimeFigureOut">
               <a:rPr lang="en-US" dirty="0"/>
-              <a:t>3/13/23</a:t>
+              <a:t>3/19/23</a:t>
             </a:fld>
             <a:endParaRPr lang="en-US"/>
           </a:p>
@@ -1607,7 +1607,7 @@
           <a:p>
             <a:fld id="{C764DE79-268F-4C1A-8933-263129D2AF90}" type="datetimeFigureOut">
               <a:rPr lang="en-US" dirty="0"/>
-              <a:t>3/13/23</a:t>
+              <a:t>3/19/23</a:t>
             </a:fld>
             <a:endParaRPr lang="en-US"/>
           </a:p>
@@ -1724,7 +1724,7 @@
           <a:p>
             <a:fld id="{C764DE79-268F-4C1A-8933-263129D2AF90}" type="datetimeFigureOut">
               <a:rPr lang="en-US" dirty="0"/>
-              <a:t>3/13/23</a:t>
+              <a:t>3/19/23</a:t>
             </a:fld>
             <a:endParaRPr lang="en-US"/>
           </a:p>
@@ -1819,7 +1819,7 @@
           <a:p>
             <a:fld id="{C764DE79-268F-4C1A-8933-263129D2AF90}" type="datetimeFigureOut">
               <a:rPr lang="en-US" dirty="0"/>
-              <a:t>3/13/23</a:t>
+              <a:t>3/19/23</a:t>
             </a:fld>
             <a:endParaRPr lang="en-US"/>
           </a:p>
@@ -2094,7 +2094,7 @@
           <a:p>
             <a:fld id="{C764DE79-268F-4C1A-8933-263129D2AF90}" type="datetimeFigureOut">
               <a:rPr lang="en-US" dirty="0"/>
-              <a:t>3/13/23</a:t>
+              <a:t>3/19/23</a:t>
             </a:fld>
             <a:endParaRPr lang="en-US"/>
           </a:p>
@@ -2349,7 +2349,7 @@
           <a:p>
             <a:fld id="{C764DE79-268F-4C1A-8933-263129D2AF90}" type="datetimeFigureOut">
               <a:rPr lang="en-US" dirty="0"/>
-              <a:t>3/13/23</a:t>
+              <a:t>3/19/23</a:t>
             </a:fld>
             <a:endParaRPr lang="en-US"/>
           </a:p>
@@ -2560,7 +2560,7 @@
           <a:p>
             <a:fld id="{C764DE79-268F-4C1A-8933-263129D2AF90}" type="datetimeFigureOut">
               <a:rPr lang="en-US" dirty="0"/>
-              <a:t>3/13/23</a:t>
+              <a:t>3/19/23</a:t>
             </a:fld>
             <a:endParaRPr lang="en-US"/>
           </a:p>
@@ -3525,7 +3525,14 @@
             </a:r>
           </a:p>
           <a:p>
-            <a:endParaRPr lang="en-US" sz="2200" dirty="0"/>
+            <a:r>
+              <a:rPr lang="en-US" sz="2200" b="1" dirty="0">
+                <a:latin typeface="Helvetica Neue" panose="02000503000000020004" pitchFamily="2" charset="0"/>
+                <a:ea typeface="Helvetica Neue" panose="02000503000000020004" pitchFamily="2" charset="0"/>
+                <a:cs typeface="Helvetica Neue" panose="02000503000000020004" pitchFamily="2" charset="0"/>
+              </a:rPr>
+              <a:t>Low accuracy but high precision</a:t>
+            </a:r>
           </a:p>
         </p:txBody>
       </p:sp>
@@ -4023,6 +4030,16 @@
               <a:t>Improve learning sequentially</a:t>
             </a:r>
           </a:p>
+          <a:p>
+            <a:r>
+              <a:rPr lang="en-US" sz="2200" b="1" dirty="0">
+                <a:latin typeface="Helvetica Neue" panose="02000503000000020004" pitchFamily="2" charset="0"/>
+                <a:ea typeface="Helvetica Neue" panose="02000503000000020004" pitchFamily="2" charset="0"/>
+                <a:cs typeface="Helvetica Neue" panose="02000503000000020004" pitchFamily="2" charset="0"/>
+              </a:rPr>
+              <a:t>Not an ideal model for this case</a:t>
+            </a:r>
+          </a:p>
         </p:txBody>
       </p:sp>
       <p:pic>
@@ -4518,6 +4535,16 @@
               <a:t>Only use influential data points</a:t>
             </a:r>
           </a:p>
+          <a:p>
+            <a:r>
+              <a:rPr lang="en-US" sz="2200" b="1" dirty="0">
+                <a:latin typeface="Helvetica Neue" panose="02000503000000020004" pitchFamily="2" charset="0"/>
+                <a:ea typeface="Helvetica Neue" panose="02000503000000020004" pitchFamily="2" charset="0"/>
+                <a:cs typeface="Helvetica Neue" panose="02000503000000020004" pitchFamily="2" charset="0"/>
+              </a:rPr>
+              <a:t>Long training time, require more computation resource</a:t>
+            </a:r>
+          </a:p>
         </p:txBody>
       </p:sp>
       <p:pic>
@@ -5811,7 +5838,7 @@
         </p:nvSpPr>
         <p:spPr>
           <a:xfrm>
-            <a:off x="5541263" y="457200"/>
+            <a:off x="5715000" y="995172"/>
             <a:ext cx="6007608" cy="1929384"/>
           </a:xfrm>
         </p:spPr>
@@ -5831,6 +5858,35 @@
               <a:rPr lang="en-US" sz="2200" dirty="0"/>
               <a:t>Data Imputation</a:t>
             </a:r>
+          </a:p>
+          <a:p>
+            <a:pPr lvl="1"/>
+            <a:r>
+              <a:rPr lang="en-US" sz="1800" dirty="0"/>
+              <a:t>Simple imputer</a:t>
+            </a:r>
+          </a:p>
+          <a:p>
+            <a:pPr lvl="1"/>
+            <a:r>
+              <a:rPr lang="en-US" sz="1800" dirty="0"/>
+              <a:t>Iterative imputer</a:t>
+            </a:r>
+          </a:p>
+          <a:p>
+            <a:pPr lvl="1"/>
+            <a:r>
+              <a:rPr lang="en-US" sz="1800" dirty="0"/>
+              <a:t>KNN imputer</a:t>
+            </a:r>
+          </a:p>
+          <a:p>
+            <a:pPr lvl="1"/>
+            <a:endParaRPr lang="en-US" sz="1800" dirty="0"/>
+          </a:p>
+          <a:p>
+            <a:pPr lvl="1"/>
+            <a:endParaRPr lang="en-US" sz="1800" dirty="0"/>
           </a:p>
           <a:p>
             <a:endParaRPr lang="en-US" sz="2200" dirty="0"/>
@@ -5995,13 +6051,8 @@
           <a:p>
             <a:r>
               <a:rPr lang="en-US" dirty="0"/>
-              <a:t>Result </a:t>
-            </a:r>
-            <a:r>
-              <a:rPr lang="en-US" dirty="0" err="1"/>
-              <a:t>explaination</a:t>
-            </a:r>
-            <a:endParaRPr lang="en-US" dirty="0"/>
+              <a:t>Result explanation</a:t>
+            </a:r>
           </a:p>
         </p:txBody>
       </p:sp>
@@ -6472,6 +6523,29 @@
                 <a:cs typeface="Helvetica Neue" panose="02000503000000020004" pitchFamily="2" charset="0"/>
               </a:rPr>
               <a:t>L1 Penalized</a:t>
+            </a:r>
+          </a:p>
+          <a:p>
+            <a:pPr marL="0" indent="0">
+              <a:buNone/>
+            </a:pPr>
+            <a:endParaRPr lang="en-US" sz="2200" b="1" dirty="0">
+              <a:latin typeface="Helvetica Neue" panose="02000503000000020004" pitchFamily="2" charset="0"/>
+              <a:ea typeface="Helvetica Neue" panose="02000503000000020004" pitchFamily="2" charset="0"/>
+              <a:cs typeface="Helvetica Neue" panose="02000503000000020004" pitchFamily="2" charset="0"/>
+            </a:endParaRPr>
+          </a:p>
+          <a:p>
+            <a:pPr marL="0" indent="0">
+              <a:buNone/>
+            </a:pPr>
+            <a:r>
+              <a:rPr lang="en-US" sz="2200" b="1" dirty="0">
+                <a:latin typeface="Helvetica Neue" panose="02000503000000020004" pitchFamily="2" charset="0"/>
+                <a:ea typeface="Helvetica Neue" panose="02000503000000020004" pitchFamily="2" charset="0"/>
+                <a:cs typeface="Helvetica Neue" panose="02000503000000020004" pitchFamily="2" charset="0"/>
+              </a:rPr>
+              <a:t>Very good precision of 96%</a:t>
             </a:r>
           </a:p>
         </p:txBody>
@@ -6961,7 +7035,10 @@
             </a:endParaRPr>
           </a:p>
           <a:p>
-            <a:endParaRPr lang="en-US" sz="2200" dirty="0"/>
+            <a:r>
+              <a:rPr lang="en-US" sz="2200" b="1" dirty="0"/>
+              <a:t>Very good in all of the metrics </a:t>
+            </a:r>
           </a:p>
         </p:txBody>
       </p:sp>
@@ -7436,6 +7513,18 @@
               </a:rPr>
               <a:t>Make decision based on the nearest neighbors given a certain distance metric</a:t>
             </a:r>
+          </a:p>
+          <a:p>
+            <a:r>
+              <a:rPr lang="en-US" sz="2200" b="1" dirty="0">
+                <a:latin typeface="Helvetica Neue" panose="02000503000000020004" pitchFamily="2" charset="0"/>
+              </a:rPr>
+              <a:t>Especially good in precision of 93.4%</a:t>
+            </a:r>
+            <a:endParaRPr lang="en-US" sz="2200" b="1" i="0" dirty="0">
+              <a:effectLst/>
+              <a:latin typeface="Helvetica Neue" panose="02000503000000020004" pitchFamily="2" charset="0"/>
+            </a:endParaRPr>
           </a:p>
           <a:p>
             <a:endParaRPr lang="en-US" sz="2200" dirty="0"/>
